--- a/Lecture/Data Transformation 1/Data_Transformation_1_Lecture.pptx
+++ b/Lecture/Data Transformation 1/Data_Transformation_1_Lecture.pptx
@@ -299,7 +299,7 @@
               <a:pPr>
                 <a:defRPr/>
               </a:pPr>
-              <a:t>1/17/2019</a:t>
+              <a:t>8/17/2020</a:t>
             </a:fld>
             <a:endParaRPr lang="en-US" dirty="0"/>
           </a:p>
@@ -511,7 +511,7 @@
               <a:pPr>
                 <a:defRPr/>
               </a:pPr>
-              <a:t>1/17/2019</a:t>
+              <a:t>8/17/2020</a:t>
             </a:fld>
             <a:endParaRPr lang="en-US" dirty="0"/>
           </a:p>
@@ -1030,7 +1030,7 @@
               <a:pPr>
                 <a:defRPr/>
               </a:pPr>
-              <a:t>1/17/2019</a:t>
+              <a:t>8/17/2020</a:t>
             </a:fld>
             <a:endParaRPr lang="en-US" dirty="0"/>
           </a:p>
@@ -1220,7 +1220,7 @@
               <a:pPr>
                 <a:defRPr/>
               </a:pPr>
-              <a:t>1/17/2019</a:t>
+              <a:t>8/17/2020</a:t>
             </a:fld>
             <a:endParaRPr lang="en-US" dirty="0"/>
           </a:p>
@@ -1420,7 +1420,7 @@
               <a:pPr>
                 <a:defRPr/>
               </a:pPr>
-              <a:t>1/17/2019</a:t>
+              <a:t>8/17/2020</a:t>
             </a:fld>
             <a:endParaRPr lang="en-US" dirty="0"/>
           </a:p>
@@ -1688,7 +1688,7 @@
               <a:pPr>
                 <a:defRPr/>
               </a:pPr>
-              <a:t>1/17/2019</a:t>
+              <a:t>8/17/2020</a:t>
             </a:fld>
             <a:endParaRPr lang="en-US" dirty="0">
               <a:solidFill>
@@ -1902,7 +1902,7 @@
               <a:pPr>
                 <a:defRPr/>
               </a:pPr>
-              <a:t>1/17/2019</a:t>
+              <a:t>8/17/2020</a:t>
             </a:fld>
             <a:endParaRPr lang="en-US" dirty="0">
               <a:solidFill>
@@ -2193,7 +2193,7 @@
               <a:pPr>
                 <a:defRPr/>
               </a:pPr>
-              <a:t>1/17/2019</a:t>
+              <a:t>8/17/2020</a:t>
             </a:fld>
             <a:endParaRPr lang="en-US" dirty="0">
               <a:solidFill>
@@ -2524,7 +2524,7 @@
               <a:pPr>
                 <a:defRPr/>
               </a:pPr>
-              <a:t>1/17/2019</a:t>
+              <a:t>8/17/2020</a:t>
             </a:fld>
             <a:endParaRPr lang="en-US" dirty="0">
               <a:solidFill>
@@ -2989,7 +2989,7 @@
               <a:pPr>
                 <a:defRPr/>
               </a:pPr>
-              <a:t>1/17/2019</a:t>
+              <a:t>8/17/2020</a:t>
             </a:fld>
             <a:endParaRPr lang="en-US" dirty="0">
               <a:solidFill>
@@ -3152,7 +3152,7 @@
               <a:pPr>
                 <a:defRPr/>
               </a:pPr>
-              <a:t>1/17/2019</a:t>
+              <a:t>8/17/2020</a:t>
             </a:fld>
             <a:endParaRPr lang="en-US" dirty="0">
               <a:solidFill>
@@ -3293,7 +3293,7 @@
               <a:pPr>
                 <a:defRPr/>
               </a:pPr>
-              <a:t>1/17/2019</a:t>
+              <a:t>8/17/2020</a:t>
             </a:fld>
             <a:endParaRPr lang="en-US" dirty="0">
               <a:solidFill>
@@ -3614,7 +3614,7 @@
               <a:pPr>
                 <a:defRPr/>
               </a:pPr>
-              <a:t>1/17/2019</a:t>
+              <a:t>8/17/2020</a:t>
             </a:fld>
             <a:endParaRPr lang="en-US" dirty="0">
               <a:solidFill>
@@ -3822,7 +3822,7 @@
               <a:pPr>
                 <a:defRPr/>
               </a:pPr>
-              <a:t>1/17/2019</a:t>
+              <a:t>8/17/2020</a:t>
             </a:fld>
             <a:endParaRPr lang="en-US" dirty="0"/>
           </a:p>
@@ -4105,7 +4105,7 @@
               <a:pPr>
                 <a:defRPr/>
               </a:pPr>
-              <a:t>1/17/2019</a:t>
+              <a:t>8/17/2020</a:t>
             </a:fld>
             <a:endParaRPr lang="en-US" dirty="0">
               <a:solidFill>
@@ -4319,7 +4319,7 @@
               <a:pPr>
                 <a:defRPr/>
               </a:pPr>
-              <a:t>1/17/2019</a:t>
+              <a:t>8/17/2020</a:t>
             </a:fld>
             <a:endParaRPr lang="en-US" dirty="0">
               <a:solidFill>
@@ -4543,7 +4543,7 @@
               <a:pPr>
                 <a:defRPr/>
               </a:pPr>
-              <a:t>1/17/2019</a:t>
+              <a:t>8/17/2020</a:t>
             </a:fld>
             <a:endParaRPr lang="en-US" dirty="0">
               <a:solidFill>
@@ -4753,7 +4753,7 @@
               <a:pPr>
                 <a:defRPr/>
               </a:pPr>
-              <a:t>1/17/2019</a:t>
+              <a:t>8/17/2020</a:t>
             </a:fld>
             <a:endParaRPr lang="en-US" dirty="0">
               <a:solidFill>
@@ -5030,7 +5030,7 @@
               <a:pPr>
                 <a:defRPr/>
               </a:pPr>
-              <a:t>1/17/2019</a:t>
+              <a:t>8/17/2020</a:t>
             </a:fld>
             <a:endParaRPr lang="en-US" dirty="0"/>
           </a:p>
@@ -5337,7 +5337,7 @@
               <a:pPr>
                 <a:defRPr/>
               </a:pPr>
-              <a:t>1/17/2019</a:t>
+              <a:t>8/17/2020</a:t>
             </a:fld>
             <a:endParaRPr lang="en-US" dirty="0"/>
           </a:p>
@@ -5778,7 +5778,7 @@
               <a:pPr>
                 <a:defRPr/>
               </a:pPr>
-              <a:t>1/17/2019</a:t>
+              <a:t>8/17/2020</a:t>
             </a:fld>
             <a:endParaRPr lang="en-US" dirty="0"/>
           </a:p>
@@ -5917,7 +5917,7 @@
               <a:pPr>
                 <a:defRPr/>
               </a:pPr>
-              <a:t>1/17/2019</a:t>
+              <a:t>8/17/2020</a:t>
             </a:fld>
             <a:endParaRPr lang="en-US" dirty="0"/>
           </a:p>
@@ -6034,7 +6034,7 @@
               <a:pPr>
                 <a:defRPr/>
               </a:pPr>
-              <a:t>1/17/2019</a:t>
+              <a:t>8/17/2020</a:t>
             </a:fld>
             <a:endParaRPr lang="en-US" dirty="0"/>
           </a:p>
@@ -6331,7 +6331,7 @@
               <a:pPr>
                 <a:defRPr/>
               </a:pPr>
-              <a:t>1/17/2019</a:t>
+              <a:t>8/17/2020</a:t>
             </a:fld>
             <a:endParaRPr lang="en-US" dirty="0"/>
           </a:p>
@@ -6608,7 +6608,7 @@
               <a:pPr>
                 <a:defRPr/>
               </a:pPr>
-              <a:t>1/17/2019</a:t>
+              <a:t>8/17/2020</a:t>
             </a:fld>
             <a:endParaRPr lang="en-US" dirty="0"/>
           </a:p>
@@ -6865,7 +6865,7 @@
               <a:pPr>
                 <a:defRPr/>
               </a:pPr>
-              <a:t>1/17/2019</a:t>
+              <a:t>8/17/2020</a:t>
             </a:fld>
             <a:endParaRPr lang="en-US" dirty="0"/>
           </a:p>
@@ -7575,7 +7575,7 @@
               <a:pPr>
                 <a:defRPr/>
               </a:pPr>
-              <a:t>1/17/2019</a:t>
+              <a:t>8/17/2020</a:t>
             </a:fld>
             <a:endParaRPr lang="en-US" dirty="0">
               <a:solidFill>
@@ -9323,7 +9323,23 @@
                   <a:srgbClr val="404040"/>
                 </a:solidFill>
               </a:rPr>
-              <a:t>All Flights from 9/13/2018 Out of LaGuardia Airport</a:t>
+              <a:t>All Flights </a:t>
+            </a:r>
+            <a:r>
+              <a:rPr lang="en-US">
+                <a:solidFill>
+                  <a:srgbClr val="404040"/>
+                </a:solidFill>
+              </a:rPr>
+              <a:t>from 9/13/2013 </a:t>
+            </a:r>
+            <a:r>
+              <a:rPr lang="en-US" dirty="0">
+                <a:solidFill>
+                  <a:srgbClr val="404040"/>
+                </a:solidFill>
+              </a:rPr>
+              <a:t>Out of LaGuardia Airport</a:t>
             </a:r>
           </a:p>
           <a:p>

--- a/Lecture/Data Transformation 1/Data_Transformation_1_Lecture.pptx
+++ b/Lecture/Data Transformation 1/Data_Transformation_1_Lecture.pptx
@@ -299,7 +299,7 @@
               <a:pPr>
                 <a:defRPr/>
               </a:pPr>
-              <a:t>8/17/2020</a:t>
+              <a:t>1/26/2023</a:t>
             </a:fld>
             <a:endParaRPr lang="en-US" dirty="0"/>
           </a:p>
@@ -511,7 +511,7 @@
               <a:pPr>
                 <a:defRPr/>
               </a:pPr>
-              <a:t>8/17/2020</a:t>
+              <a:t>1/26/2023</a:t>
             </a:fld>
             <a:endParaRPr lang="en-US" dirty="0"/>
           </a:p>
@@ -1030,7 +1030,7 @@
               <a:pPr>
                 <a:defRPr/>
               </a:pPr>
-              <a:t>8/17/2020</a:t>
+              <a:t>1/26/2023</a:t>
             </a:fld>
             <a:endParaRPr lang="en-US" dirty="0"/>
           </a:p>
@@ -1220,7 +1220,7 @@
               <a:pPr>
                 <a:defRPr/>
               </a:pPr>
-              <a:t>8/17/2020</a:t>
+              <a:t>1/26/2023</a:t>
             </a:fld>
             <a:endParaRPr lang="en-US" dirty="0"/>
           </a:p>
@@ -1420,7 +1420,7 @@
               <a:pPr>
                 <a:defRPr/>
               </a:pPr>
-              <a:t>8/17/2020</a:t>
+              <a:t>1/26/2023</a:t>
             </a:fld>
             <a:endParaRPr lang="en-US" dirty="0"/>
           </a:p>
@@ -1688,7 +1688,7 @@
               <a:pPr>
                 <a:defRPr/>
               </a:pPr>
-              <a:t>8/17/2020</a:t>
+              <a:t>1/26/2023</a:t>
             </a:fld>
             <a:endParaRPr lang="en-US" dirty="0">
               <a:solidFill>
@@ -1902,7 +1902,7 @@
               <a:pPr>
                 <a:defRPr/>
               </a:pPr>
-              <a:t>8/17/2020</a:t>
+              <a:t>1/26/2023</a:t>
             </a:fld>
             <a:endParaRPr lang="en-US" dirty="0">
               <a:solidFill>
@@ -2193,7 +2193,7 @@
               <a:pPr>
                 <a:defRPr/>
               </a:pPr>
-              <a:t>8/17/2020</a:t>
+              <a:t>1/26/2023</a:t>
             </a:fld>
             <a:endParaRPr lang="en-US" dirty="0">
               <a:solidFill>
@@ -2524,7 +2524,7 @@
               <a:pPr>
                 <a:defRPr/>
               </a:pPr>
-              <a:t>8/17/2020</a:t>
+              <a:t>1/26/2023</a:t>
             </a:fld>
             <a:endParaRPr lang="en-US" dirty="0">
               <a:solidFill>
@@ -2989,7 +2989,7 @@
               <a:pPr>
                 <a:defRPr/>
               </a:pPr>
-              <a:t>8/17/2020</a:t>
+              <a:t>1/26/2023</a:t>
             </a:fld>
             <a:endParaRPr lang="en-US" dirty="0">
               <a:solidFill>
@@ -3152,7 +3152,7 @@
               <a:pPr>
                 <a:defRPr/>
               </a:pPr>
-              <a:t>8/17/2020</a:t>
+              <a:t>1/26/2023</a:t>
             </a:fld>
             <a:endParaRPr lang="en-US" dirty="0">
               <a:solidFill>
@@ -3293,7 +3293,7 @@
               <a:pPr>
                 <a:defRPr/>
               </a:pPr>
-              <a:t>8/17/2020</a:t>
+              <a:t>1/26/2023</a:t>
             </a:fld>
             <a:endParaRPr lang="en-US" dirty="0">
               <a:solidFill>
@@ -3614,7 +3614,7 @@
               <a:pPr>
                 <a:defRPr/>
               </a:pPr>
-              <a:t>8/17/2020</a:t>
+              <a:t>1/26/2023</a:t>
             </a:fld>
             <a:endParaRPr lang="en-US" dirty="0">
               <a:solidFill>
@@ -3822,7 +3822,7 @@
               <a:pPr>
                 <a:defRPr/>
               </a:pPr>
-              <a:t>8/17/2020</a:t>
+              <a:t>1/26/2023</a:t>
             </a:fld>
             <a:endParaRPr lang="en-US" dirty="0"/>
           </a:p>
@@ -4105,7 +4105,7 @@
               <a:pPr>
                 <a:defRPr/>
               </a:pPr>
-              <a:t>8/17/2020</a:t>
+              <a:t>1/26/2023</a:t>
             </a:fld>
             <a:endParaRPr lang="en-US" dirty="0">
               <a:solidFill>
@@ -4319,7 +4319,7 @@
               <a:pPr>
                 <a:defRPr/>
               </a:pPr>
-              <a:t>8/17/2020</a:t>
+              <a:t>1/26/2023</a:t>
             </a:fld>
             <a:endParaRPr lang="en-US" dirty="0">
               <a:solidFill>
@@ -4543,7 +4543,7 @@
               <a:pPr>
                 <a:defRPr/>
               </a:pPr>
-              <a:t>8/17/2020</a:t>
+              <a:t>1/26/2023</a:t>
             </a:fld>
             <a:endParaRPr lang="en-US" dirty="0">
               <a:solidFill>
@@ -4753,7 +4753,7 @@
               <a:pPr>
                 <a:defRPr/>
               </a:pPr>
-              <a:t>8/17/2020</a:t>
+              <a:t>1/26/2023</a:t>
             </a:fld>
             <a:endParaRPr lang="en-US" dirty="0">
               <a:solidFill>
@@ -5030,7 +5030,7 @@
               <a:pPr>
                 <a:defRPr/>
               </a:pPr>
-              <a:t>8/17/2020</a:t>
+              <a:t>1/26/2023</a:t>
             </a:fld>
             <a:endParaRPr lang="en-US" dirty="0"/>
           </a:p>
@@ -5337,7 +5337,7 @@
               <a:pPr>
                 <a:defRPr/>
               </a:pPr>
-              <a:t>8/17/2020</a:t>
+              <a:t>1/26/2023</a:t>
             </a:fld>
             <a:endParaRPr lang="en-US" dirty="0"/>
           </a:p>
@@ -5778,7 +5778,7 @@
               <a:pPr>
                 <a:defRPr/>
               </a:pPr>
-              <a:t>8/17/2020</a:t>
+              <a:t>1/26/2023</a:t>
             </a:fld>
             <a:endParaRPr lang="en-US" dirty="0"/>
           </a:p>
@@ -5917,7 +5917,7 @@
               <a:pPr>
                 <a:defRPr/>
               </a:pPr>
-              <a:t>8/17/2020</a:t>
+              <a:t>1/26/2023</a:t>
             </a:fld>
             <a:endParaRPr lang="en-US" dirty="0"/>
           </a:p>
@@ -6034,7 +6034,7 @@
               <a:pPr>
                 <a:defRPr/>
               </a:pPr>
-              <a:t>8/17/2020</a:t>
+              <a:t>1/26/2023</a:t>
             </a:fld>
             <a:endParaRPr lang="en-US" dirty="0"/>
           </a:p>
@@ -6331,7 +6331,7 @@
               <a:pPr>
                 <a:defRPr/>
               </a:pPr>
-              <a:t>8/17/2020</a:t>
+              <a:t>1/26/2023</a:t>
             </a:fld>
             <a:endParaRPr lang="en-US" dirty="0"/>
           </a:p>
@@ -6608,7 +6608,7 @@
               <a:pPr>
                 <a:defRPr/>
               </a:pPr>
-              <a:t>8/17/2020</a:t>
+              <a:t>1/26/2023</a:t>
             </a:fld>
             <a:endParaRPr lang="en-US" dirty="0"/>
           </a:p>
@@ -6865,7 +6865,7 @@
               <a:pPr>
                 <a:defRPr/>
               </a:pPr>
-              <a:t>8/17/2020</a:t>
+              <a:t>1/26/2023</a:t>
             </a:fld>
             <a:endParaRPr lang="en-US" dirty="0"/>
           </a:p>
@@ -7575,7 +7575,7 @@
               <a:pPr>
                 <a:defRPr/>
               </a:pPr>
-              <a:t>8/17/2020</a:t>
+              <a:t>1/26/2023</a:t>
             </a:fld>
             <a:endParaRPr lang="en-US" dirty="0">
               <a:solidFill>
@@ -19065,10 +19065,10 @@
       </p:sp>
       <p:pic>
         <p:nvPicPr>
-          <p:cNvPr id="4" name="Picture 3">
+          <p:cNvPr id="5" name="Picture 4">
             <a:extLst>
               <a:ext uri="{FF2B5EF4-FFF2-40B4-BE49-F238E27FC236}">
-                <a16:creationId xmlns:a16="http://schemas.microsoft.com/office/drawing/2014/main" id="{40F2B971-5B1C-48B6-A1BD-49B0455B52F0}"/>
+                <a16:creationId xmlns:a16="http://schemas.microsoft.com/office/drawing/2014/main" id="{ECBC5D4F-7F48-6976-343C-3898BEC25139}"/>
               </a:ext>
             </a:extLst>
           </p:cNvPr>
@@ -19085,32 +19085,18 @@
         </p:blipFill>
         <p:spPr>
           <a:xfrm>
-            <a:off x="4162617" y="2895600"/>
-            <a:ext cx="2981325" cy="3574427"/>
+            <a:off x="4233103" y="2971800"/>
+            <a:ext cx="1420177" cy="3733800"/>
           </a:xfrm>
           <a:prstGeom prst="rect">
             <a:avLst/>
           </a:prstGeom>
-          <a:ln>
+          <a:ln w="25400">
             <a:solidFill>
               <a:srgbClr val="404040"/>
             </a:solidFill>
           </a:ln>
         </p:spPr>
-        <p:style>
-          <a:lnRef idx="2">
-            <a:schemeClr val="dk1"/>
-          </a:lnRef>
-          <a:fillRef idx="1">
-            <a:schemeClr val="lt1"/>
-          </a:fillRef>
-          <a:effectRef idx="0">
-            <a:schemeClr val="dk1"/>
-          </a:effectRef>
-          <a:fontRef idx="minor">
-            <a:schemeClr val="dk1"/>
-          </a:fontRef>
-        </p:style>
       </p:pic>
     </p:spTree>
     <p:custDataLst>

--- a/Lecture/Data Transformation 1/Data_Transformation_1_Lecture.pptx
+++ b/Lecture/Data Transformation 1/Data_Transformation_1_Lecture.pptx
@@ -299,7 +299,7 @@
               <a:pPr>
                 <a:defRPr/>
               </a:pPr>
-              <a:t>1/26/2023</a:t>
+              <a:t>1/23/2024</a:t>
             </a:fld>
             <a:endParaRPr lang="en-US" dirty="0"/>
           </a:p>
@@ -511,7 +511,7 @@
               <a:pPr>
                 <a:defRPr/>
               </a:pPr>
-              <a:t>1/26/2023</a:t>
+              <a:t>1/23/2024</a:t>
             </a:fld>
             <a:endParaRPr lang="en-US" dirty="0"/>
           </a:p>
@@ -1030,7 +1030,7 @@
               <a:pPr>
                 <a:defRPr/>
               </a:pPr>
-              <a:t>1/26/2023</a:t>
+              <a:t>1/23/2024</a:t>
             </a:fld>
             <a:endParaRPr lang="en-US" dirty="0"/>
           </a:p>
@@ -1220,7 +1220,7 @@
               <a:pPr>
                 <a:defRPr/>
               </a:pPr>
-              <a:t>1/26/2023</a:t>
+              <a:t>1/23/2024</a:t>
             </a:fld>
             <a:endParaRPr lang="en-US" dirty="0"/>
           </a:p>
@@ -1420,7 +1420,7 @@
               <a:pPr>
                 <a:defRPr/>
               </a:pPr>
-              <a:t>1/26/2023</a:t>
+              <a:t>1/23/2024</a:t>
             </a:fld>
             <a:endParaRPr lang="en-US" dirty="0"/>
           </a:p>
@@ -1688,7 +1688,7 @@
               <a:pPr>
                 <a:defRPr/>
               </a:pPr>
-              <a:t>1/26/2023</a:t>
+              <a:t>1/23/2024</a:t>
             </a:fld>
             <a:endParaRPr lang="en-US" dirty="0">
               <a:solidFill>
@@ -1902,7 +1902,7 @@
               <a:pPr>
                 <a:defRPr/>
               </a:pPr>
-              <a:t>1/26/2023</a:t>
+              <a:t>1/23/2024</a:t>
             </a:fld>
             <a:endParaRPr lang="en-US" dirty="0">
               <a:solidFill>
@@ -2193,7 +2193,7 @@
               <a:pPr>
                 <a:defRPr/>
               </a:pPr>
-              <a:t>1/26/2023</a:t>
+              <a:t>1/23/2024</a:t>
             </a:fld>
             <a:endParaRPr lang="en-US" dirty="0">
               <a:solidFill>
@@ -2524,7 +2524,7 @@
               <a:pPr>
                 <a:defRPr/>
               </a:pPr>
-              <a:t>1/26/2023</a:t>
+              <a:t>1/23/2024</a:t>
             </a:fld>
             <a:endParaRPr lang="en-US" dirty="0">
               <a:solidFill>
@@ -2989,7 +2989,7 @@
               <a:pPr>
                 <a:defRPr/>
               </a:pPr>
-              <a:t>1/26/2023</a:t>
+              <a:t>1/23/2024</a:t>
             </a:fld>
             <a:endParaRPr lang="en-US" dirty="0">
               <a:solidFill>
@@ -3152,7 +3152,7 @@
               <a:pPr>
                 <a:defRPr/>
               </a:pPr>
-              <a:t>1/26/2023</a:t>
+              <a:t>1/23/2024</a:t>
             </a:fld>
             <a:endParaRPr lang="en-US" dirty="0">
               <a:solidFill>
@@ -3293,7 +3293,7 @@
               <a:pPr>
                 <a:defRPr/>
               </a:pPr>
-              <a:t>1/26/2023</a:t>
+              <a:t>1/23/2024</a:t>
             </a:fld>
             <a:endParaRPr lang="en-US" dirty="0">
               <a:solidFill>
@@ -3614,7 +3614,7 @@
               <a:pPr>
                 <a:defRPr/>
               </a:pPr>
-              <a:t>1/26/2023</a:t>
+              <a:t>1/23/2024</a:t>
             </a:fld>
             <a:endParaRPr lang="en-US" dirty="0">
               <a:solidFill>
@@ -3822,7 +3822,7 @@
               <a:pPr>
                 <a:defRPr/>
               </a:pPr>
-              <a:t>1/26/2023</a:t>
+              <a:t>1/23/2024</a:t>
             </a:fld>
             <a:endParaRPr lang="en-US" dirty="0"/>
           </a:p>
@@ -4105,7 +4105,7 @@
               <a:pPr>
                 <a:defRPr/>
               </a:pPr>
-              <a:t>1/26/2023</a:t>
+              <a:t>1/23/2024</a:t>
             </a:fld>
             <a:endParaRPr lang="en-US" dirty="0">
               <a:solidFill>
@@ -4319,7 +4319,7 @@
               <a:pPr>
                 <a:defRPr/>
               </a:pPr>
-              <a:t>1/26/2023</a:t>
+              <a:t>1/23/2024</a:t>
             </a:fld>
             <a:endParaRPr lang="en-US" dirty="0">
               <a:solidFill>
@@ -4543,7 +4543,7 @@
               <a:pPr>
                 <a:defRPr/>
               </a:pPr>
-              <a:t>1/26/2023</a:t>
+              <a:t>1/23/2024</a:t>
             </a:fld>
             <a:endParaRPr lang="en-US" dirty="0">
               <a:solidFill>
@@ -4753,7 +4753,7 @@
               <a:pPr>
                 <a:defRPr/>
               </a:pPr>
-              <a:t>1/26/2023</a:t>
+              <a:t>1/23/2024</a:t>
             </a:fld>
             <a:endParaRPr lang="en-US" dirty="0">
               <a:solidFill>
@@ -5030,7 +5030,7 @@
               <a:pPr>
                 <a:defRPr/>
               </a:pPr>
-              <a:t>1/26/2023</a:t>
+              <a:t>1/23/2024</a:t>
             </a:fld>
             <a:endParaRPr lang="en-US" dirty="0"/>
           </a:p>
@@ -5337,7 +5337,7 @@
               <a:pPr>
                 <a:defRPr/>
               </a:pPr>
-              <a:t>1/26/2023</a:t>
+              <a:t>1/23/2024</a:t>
             </a:fld>
             <a:endParaRPr lang="en-US" dirty="0"/>
           </a:p>
@@ -5778,7 +5778,7 @@
               <a:pPr>
                 <a:defRPr/>
               </a:pPr>
-              <a:t>1/26/2023</a:t>
+              <a:t>1/23/2024</a:t>
             </a:fld>
             <a:endParaRPr lang="en-US" dirty="0"/>
           </a:p>
@@ -5917,7 +5917,7 @@
               <a:pPr>
                 <a:defRPr/>
               </a:pPr>
-              <a:t>1/26/2023</a:t>
+              <a:t>1/23/2024</a:t>
             </a:fld>
             <a:endParaRPr lang="en-US" dirty="0"/>
           </a:p>
@@ -6034,7 +6034,7 @@
               <a:pPr>
                 <a:defRPr/>
               </a:pPr>
-              <a:t>1/26/2023</a:t>
+              <a:t>1/23/2024</a:t>
             </a:fld>
             <a:endParaRPr lang="en-US" dirty="0"/>
           </a:p>
@@ -6331,7 +6331,7 @@
               <a:pPr>
                 <a:defRPr/>
               </a:pPr>
-              <a:t>1/26/2023</a:t>
+              <a:t>1/23/2024</a:t>
             </a:fld>
             <a:endParaRPr lang="en-US" dirty="0"/>
           </a:p>
@@ -6608,7 +6608,7 @@
               <a:pPr>
                 <a:defRPr/>
               </a:pPr>
-              <a:t>1/26/2023</a:t>
+              <a:t>1/23/2024</a:t>
             </a:fld>
             <a:endParaRPr lang="en-US" dirty="0"/>
           </a:p>
@@ -6865,7 +6865,7 @@
               <a:pPr>
                 <a:defRPr/>
               </a:pPr>
-              <a:t>1/26/2023</a:t>
+              <a:t>1/23/2024</a:t>
             </a:fld>
             <a:endParaRPr lang="en-US" dirty="0"/>
           </a:p>
@@ -7575,7 +7575,7 @@
               <a:pPr>
                 <a:defRPr/>
               </a:pPr>
-              <a:t>1/26/2023</a:t>
+              <a:t>1/23/2024</a:t>
             </a:fld>
             <a:endParaRPr lang="en-US" dirty="0">
               <a:solidFill>
@@ -11122,7 +11122,7 @@
         <p:spPr>
           <a:xfrm>
             <a:off x="3777352" y="643467"/>
-            <a:ext cx="5250186" cy="6370975"/>
+            <a:ext cx="5250186" cy="6740307"/>
           </a:xfrm>
           <a:prstGeom prst="rect">
             <a:avLst/>
@@ -11261,8 +11261,29 @@
                   <a:srgbClr val="404040"/>
                 </a:solidFill>
               </a:rPr>
-              <a:t>Sorted by Day, Month, Year (Time)</a:t>
-            </a:r>
+              <a:t>Sorted by year, month, and day</a:t>
+            </a:r>
+            <a:r>
+              <a:rPr lang="en-US">
+                <a:solidFill>
+                  <a:srgbClr val="404040"/>
+                </a:solidFill>
+              </a:rPr>
+              <a:t>,  </a:t>
+            </a:r>
+            <a:r>
+              <a:rPr lang="en-US" b="1">
+                <a:solidFill>
+                  <a:srgbClr val="404040"/>
+                </a:solidFill>
+              </a:rPr>
+              <a:t>in that order</a:t>
+            </a:r>
+            <a:endParaRPr lang="en-US" dirty="0">
+              <a:solidFill>
+                <a:srgbClr val="404040"/>
+              </a:solidFill>
+            </a:endParaRPr>
           </a:p>
           <a:p>
             <a:pPr marL="342900" indent="-342900">

--- a/Lecture/Data Transformation 1/Data_Transformation_1_Lecture.pptx
+++ b/Lecture/Data Transformation 1/Data_Transformation_1_Lecture.pptx
@@ -13107,8 +13107,21 @@
                   <a:srgbClr val="404040"/>
                 </a:solidFill>
               </a:rPr>
-              <a:t>Deselect Year, Month, and Day</a:t>
-            </a:r>
+              <a:t>Deselect </a:t>
+            </a:r>
+            <a:r>
+              <a:rPr lang="en-US">
+                <a:solidFill>
+                  <a:srgbClr val="404040"/>
+                </a:solidFill>
+              </a:rPr>
+              <a:t>All Previous Variables</a:t>
+            </a:r>
+            <a:endParaRPr lang="en-US" dirty="0">
+              <a:solidFill>
+                <a:srgbClr val="404040"/>
+              </a:solidFill>
+            </a:endParaRPr>
           </a:p>
           <a:p>
             <a:endParaRPr lang="en-US" dirty="0">

--- a/Lecture/Data Transformation 1/Data_Transformation_1_Lecture.pptx
+++ b/Lecture/Data Transformation 1/Data_Transformation_1_Lecture.pptx
@@ -299,7 +299,7 @@
               <a:pPr>
                 <a:defRPr/>
               </a:pPr>
-              <a:t>1/23/2024</a:t>
+              <a:t>5/15/2025</a:t>
             </a:fld>
             <a:endParaRPr lang="en-US" dirty="0"/>
           </a:p>
@@ -511,7 +511,7 @@
               <a:pPr>
                 <a:defRPr/>
               </a:pPr>
-              <a:t>1/23/2024</a:t>
+              <a:t>5/15/2025</a:t>
             </a:fld>
             <a:endParaRPr lang="en-US" dirty="0"/>
           </a:p>
@@ -1030,7 +1030,7 @@
               <a:pPr>
                 <a:defRPr/>
               </a:pPr>
-              <a:t>1/23/2024</a:t>
+              <a:t>5/15/2025</a:t>
             </a:fld>
             <a:endParaRPr lang="en-US" dirty="0"/>
           </a:p>
@@ -1220,7 +1220,7 @@
               <a:pPr>
                 <a:defRPr/>
               </a:pPr>
-              <a:t>1/23/2024</a:t>
+              <a:t>5/15/2025</a:t>
             </a:fld>
             <a:endParaRPr lang="en-US" dirty="0"/>
           </a:p>
@@ -1420,7 +1420,7 @@
               <a:pPr>
                 <a:defRPr/>
               </a:pPr>
-              <a:t>1/23/2024</a:t>
+              <a:t>5/15/2025</a:t>
             </a:fld>
             <a:endParaRPr lang="en-US" dirty="0"/>
           </a:p>
@@ -1688,7 +1688,7 @@
               <a:pPr>
                 <a:defRPr/>
               </a:pPr>
-              <a:t>1/23/2024</a:t>
+              <a:t>5/15/2025</a:t>
             </a:fld>
             <a:endParaRPr lang="en-US" dirty="0">
               <a:solidFill>
@@ -1902,7 +1902,7 @@
               <a:pPr>
                 <a:defRPr/>
               </a:pPr>
-              <a:t>1/23/2024</a:t>
+              <a:t>5/15/2025</a:t>
             </a:fld>
             <a:endParaRPr lang="en-US" dirty="0">
               <a:solidFill>
@@ -2193,7 +2193,7 @@
               <a:pPr>
                 <a:defRPr/>
               </a:pPr>
-              <a:t>1/23/2024</a:t>
+              <a:t>5/15/2025</a:t>
             </a:fld>
             <a:endParaRPr lang="en-US" dirty="0">
               <a:solidFill>
@@ -2524,7 +2524,7 @@
               <a:pPr>
                 <a:defRPr/>
               </a:pPr>
-              <a:t>1/23/2024</a:t>
+              <a:t>5/15/2025</a:t>
             </a:fld>
             <a:endParaRPr lang="en-US" dirty="0">
               <a:solidFill>
@@ -2989,7 +2989,7 @@
               <a:pPr>
                 <a:defRPr/>
               </a:pPr>
-              <a:t>1/23/2024</a:t>
+              <a:t>5/15/2025</a:t>
             </a:fld>
             <a:endParaRPr lang="en-US" dirty="0">
               <a:solidFill>
@@ -3152,7 +3152,7 @@
               <a:pPr>
                 <a:defRPr/>
               </a:pPr>
-              <a:t>1/23/2024</a:t>
+              <a:t>5/15/2025</a:t>
             </a:fld>
             <a:endParaRPr lang="en-US" dirty="0">
               <a:solidFill>
@@ -3293,7 +3293,7 @@
               <a:pPr>
                 <a:defRPr/>
               </a:pPr>
-              <a:t>1/23/2024</a:t>
+              <a:t>5/15/2025</a:t>
             </a:fld>
             <a:endParaRPr lang="en-US" dirty="0">
               <a:solidFill>
@@ -3614,7 +3614,7 @@
               <a:pPr>
                 <a:defRPr/>
               </a:pPr>
-              <a:t>1/23/2024</a:t>
+              <a:t>5/15/2025</a:t>
             </a:fld>
             <a:endParaRPr lang="en-US" dirty="0">
               <a:solidFill>
@@ -3822,7 +3822,7 @@
               <a:pPr>
                 <a:defRPr/>
               </a:pPr>
-              <a:t>1/23/2024</a:t>
+              <a:t>5/15/2025</a:t>
             </a:fld>
             <a:endParaRPr lang="en-US" dirty="0"/>
           </a:p>
@@ -4105,7 +4105,7 @@
               <a:pPr>
                 <a:defRPr/>
               </a:pPr>
-              <a:t>1/23/2024</a:t>
+              <a:t>5/15/2025</a:t>
             </a:fld>
             <a:endParaRPr lang="en-US" dirty="0">
               <a:solidFill>
@@ -4319,7 +4319,7 @@
               <a:pPr>
                 <a:defRPr/>
               </a:pPr>
-              <a:t>1/23/2024</a:t>
+              <a:t>5/15/2025</a:t>
             </a:fld>
             <a:endParaRPr lang="en-US" dirty="0">
               <a:solidFill>
@@ -4543,7 +4543,7 @@
               <a:pPr>
                 <a:defRPr/>
               </a:pPr>
-              <a:t>1/23/2024</a:t>
+              <a:t>5/15/2025</a:t>
             </a:fld>
             <a:endParaRPr lang="en-US" dirty="0">
               <a:solidFill>
@@ -4753,7 +4753,7 @@
               <a:pPr>
                 <a:defRPr/>
               </a:pPr>
-              <a:t>1/23/2024</a:t>
+              <a:t>5/15/2025</a:t>
             </a:fld>
             <a:endParaRPr lang="en-US" dirty="0">
               <a:solidFill>
@@ -5030,7 +5030,7 @@
               <a:pPr>
                 <a:defRPr/>
               </a:pPr>
-              <a:t>1/23/2024</a:t>
+              <a:t>5/15/2025</a:t>
             </a:fld>
             <a:endParaRPr lang="en-US" dirty="0"/>
           </a:p>
@@ -5337,7 +5337,7 @@
               <a:pPr>
                 <a:defRPr/>
               </a:pPr>
-              <a:t>1/23/2024</a:t>
+              <a:t>5/15/2025</a:t>
             </a:fld>
             <a:endParaRPr lang="en-US" dirty="0"/>
           </a:p>
@@ -5778,7 +5778,7 @@
               <a:pPr>
                 <a:defRPr/>
               </a:pPr>
-              <a:t>1/23/2024</a:t>
+              <a:t>5/15/2025</a:t>
             </a:fld>
             <a:endParaRPr lang="en-US" dirty="0"/>
           </a:p>
@@ -5917,7 +5917,7 @@
               <a:pPr>
                 <a:defRPr/>
               </a:pPr>
-              <a:t>1/23/2024</a:t>
+              <a:t>5/15/2025</a:t>
             </a:fld>
             <a:endParaRPr lang="en-US" dirty="0"/>
           </a:p>
@@ -6034,7 +6034,7 @@
               <a:pPr>
                 <a:defRPr/>
               </a:pPr>
-              <a:t>1/23/2024</a:t>
+              <a:t>5/15/2025</a:t>
             </a:fld>
             <a:endParaRPr lang="en-US" dirty="0"/>
           </a:p>
@@ -6331,7 +6331,7 @@
               <a:pPr>
                 <a:defRPr/>
               </a:pPr>
-              <a:t>1/23/2024</a:t>
+              <a:t>5/15/2025</a:t>
             </a:fld>
             <a:endParaRPr lang="en-US" dirty="0"/>
           </a:p>
@@ -6608,7 +6608,7 @@
               <a:pPr>
                 <a:defRPr/>
               </a:pPr>
-              <a:t>1/23/2024</a:t>
+              <a:t>5/15/2025</a:t>
             </a:fld>
             <a:endParaRPr lang="en-US" dirty="0"/>
           </a:p>
@@ -6865,7 +6865,7 @@
               <a:pPr>
                 <a:defRPr/>
               </a:pPr>
-              <a:t>1/23/2024</a:t>
+              <a:t>5/15/2025</a:t>
             </a:fld>
             <a:endParaRPr lang="en-US" dirty="0"/>
           </a:p>
@@ -7575,7 +7575,7 @@
               <a:pPr>
                 <a:defRPr/>
               </a:pPr>
-              <a:t>1/23/2024</a:t>
+              <a:t>5/15/2025</a:t>
             </a:fld>
             <a:endParaRPr lang="en-US" dirty="0">
               <a:solidFill>
@@ -13505,7 +13505,7 @@
         <p:spPr>
           <a:xfrm>
             <a:off x="3810000" y="643467"/>
-            <a:ext cx="4953000" cy="4154984"/>
+            <a:ext cx="4953000" cy="4893647"/>
           </a:xfrm>
           <a:prstGeom prst="rect">
             <a:avLst/>
@@ -13528,7 +13528,32 @@
                   <a:srgbClr val="404040"/>
                 </a:solidFill>
               </a:rPr>
-              <a:t>Read Chapter 3</a:t>
+              <a:t>Read Chapter 3 (R4DS)</a:t>
+            </a:r>
+          </a:p>
+          <a:p>
+            <a:pPr marL="342900" indent="-342900">
+              <a:buFont typeface="Arial" panose="020B0604020202020204" pitchFamily="34" charset="0"/>
+              <a:buChar char="•"/>
+            </a:pPr>
+            <a:endParaRPr lang="en-US" dirty="0">
+              <a:solidFill>
+                <a:srgbClr val="404040"/>
+              </a:solidFill>
+            </a:endParaRPr>
+          </a:p>
+          <a:p>
+            <a:pPr marL="342900" indent="-342900">
+              <a:buFont typeface="Arial" panose="020B0604020202020204" pitchFamily="34" charset="0"/>
+              <a:buChar char="•"/>
+            </a:pPr>
+            <a:r>
+              <a:rPr lang="en-US" dirty="0">
+                <a:solidFill>
+                  <a:srgbClr val="404040"/>
+                </a:solidFill>
+              </a:rPr>
+              <a:t>Look at Chapter 3 (R4DS2)</a:t>
             </a:r>
           </a:p>
           <a:p>
@@ -13703,7 +13728,7 @@
         </p:nvSpPr>
         <p:spPr>
           <a:xfrm>
-            <a:off x="6549189" y="1493921"/>
+            <a:off x="6566313" y="2240782"/>
             <a:ext cx="457200" cy="228600"/>
           </a:xfrm>
           <a:prstGeom prst="rightArrow">
